--- a/Sequence analysis workshop/Sequence Analysis.pptx
+++ b/Sequence analysis workshop/Sequence Analysis.pptx
@@ -5,7 +5,7 @@
     <p:sldMasterId id="2147483648" r:id="rId1"/>
   </p:sldMasterIdLst>
   <p:notesMasterIdLst>
-    <p:notesMasterId r:id="rId17"/>
+    <p:notesMasterId r:id="rId16"/>
   </p:notesMasterIdLst>
   <p:sldIdLst>
     <p:sldId id="256" r:id="rId2"/>
@@ -14,41 +14,40 @@
     <p:sldId id="259" r:id="rId5"/>
     <p:sldId id="260" r:id="rId6"/>
     <p:sldId id="264" r:id="rId7"/>
-    <p:sldId id="287" r:id="rId8"/>
-    <p:sldId id="265" r:id="rId9"/>
-    <p:sldId id="262" r:id="rId10"/>
-    <p:sldId id="285" r:id="rId11"/>
-    <p:sldId id="286" r:id="rId12"/>
-    <p:sldId id="288" r:id="rId13"/>
-    <p:sldId id="289" r:id="rId14"/>
-    <p:sldId id="267" r:id="rId15"/>
-    <p:sldId id="290" r:id="rId16"/>
+    <p:sldId id="265" r:id="rId8"/>
+    <p:sldId id="262" r:id="rId9"/>
+    <p:sldId id="285" r:id="rId10"/>
+    <p:sldId id="286" r:id="rId11"/>
+    <p:sldId id="288" r:id="rId12"/>
+    <p:sldId id="289" r:id="rId13"/>
+    <p:sldId id="267" r:id="rId14"/>
+    <p:sldId id="290" r:id="rId15"/>
   </p:sldIdLst>
   <p:sldSz cx="12192000" cy="6858000"/>
   <p:notesSz cx="7019925" cy="9305925"/>
   <p:embeddedFontLst>
     <p:embeddedFont>
       <p:font typeface="Cambria Math" panose="02040503050406030204" pitchFamily="18" charset="0"/>
-      <p:regular r:id="rId18"/>
+      <p:regular r:id="rId17"/>
     </p:embeddedFont>
     <p:embeddedFont>
       <p:font typeface="Corbel" panose="020B0503020204020204" pitchFamily="34" charset="0"/>
-      <p:regular r:id="rId19"/>
-      <p:bold r:id="rId20"/>
-      <p:italic r:id="rId21"/>
-      <p:boldItalic r:id="rId22"/>
+      <p:regular r:id="rId18"/>
+      <p:bold r:id="rId19"/>
+      <p:italic r:id="rId20"/>
+      <p:boldItalic r:id="rId21"/>
     </p:embeddedFont>
     <p:embeddedFont>
-      <p:font typeface="Helvetica" panose="020B0604020202020204" pitchFamily="34" charset="0"/>
-      <p:regular r:id="rId23"/>
-      <p:bold r:id="rId24"/>
-      <p:italic r:id="rId25"/>
-      <p:boldItalic r:id="rId26"/>
+      <p:font typeface="Helvetica" pitchFamily="2" charset="0"/>
+      <p:regular r:id="rId22"/>
+      <p:bold r:id="rId23"/>
+      <p:italic r:id="rId24"/>
+      <p:boldItalic r:id="rId25"/>
     </p:embeddedFont>
     <p:embeddedFont>
       <p:font typeface="Tahoma" panose="020B0604030504040204" pitchFamily="34" charset="0"/>
-      <p:regular r:id="rId27"/>
-      <p:bold r:id="rId28"/>
+      <p:regular r:id="rId26"/>
+      <p:bold r:id="rId27"/>
     </p:embeddedFont>
   </p:embeddedFontLst>
   <p:defaultTextStyle>
@@ -285,7 +284,7 @@
       <p15:sldGuideLst xmlns:p15="http://schemas.microsoft.com/office/powerpoint/2012/main"/>
     </p:ext>
     <p:ext uri="GoogleSlidesCustomDataVersion2">
-      <go:slidesCustomData xmlns="" xmlns:mc="http://schemas.openxmlformats.org/markup-compatibility/2006" xmlns:mv="urn:schemas-microsoft-com:mac:vml" xmlns:c="http://schemas.openxmlformats.org/drawingml/2006/chart" xmlns:dgm="http://schemas.openxmlformats.org/drawingml/2006/diagram" xmlns:o="urn:schemas-microsoft-com:office:office" xmlns:v="urn:schemas-microsoft-com:vml" xmlns:pvml="urn:schemas-microsoft-com:office:powerpoint" xmlns:com="http://schemas.openxmlformats.org/drawingml/2006/compatibility" xmlns:p14="http://schemas.microsoft.com/office/powerpoint/2010/main" xmlns:p15="http://schemas.microsoft.com/office/powerpoint/2012/main" xmlns:ahyp="http://schemas.microsoft.com/office/drawing/2018/hyperlinkcolor" xmlns:go="http://customooxmlschemas.google.com/" r:id="rId46" roundtripDataSignature="AMtx7mhpAWAMsNsZsvFZY0BU9YI6FTAo0g=="/>
+      <go:slidesCustomData xmlns:go="http://customooxmlschemas.google.com/" xmlns:ahyp="http://schemas.microsoft.com/office/drawing/2018/hyperlinkcolor" xmlns:p15="http://schemas.microsoft.com/office/powerpoint/2012/main" xmlns:p14="http://schemas.microsoft.com/office/powerpoint/2010/main" xmlns:com="http://schemas.openxmlformats.org/drawingml/2006/compatibility" xmlns:pvml="urn:schemas-microsoft-com:office:powerpoint" xmlns:v="urn:schemas-microsoft-com:vml" xmlns:o="urn:schemas-microsoft-com:office:office" xmlns:dgm="http://schemas.openxmlformats.org/drawingml/2006/diagram" xmlns:c="http://schemas.openxmlformats.org/drawingml/2006/chart" xmlns:mv="urn:schemas-microsoft-com:mac:vml" xmlns:mc="http://schemas.openxmlformats.org/markup-compatibility/2006" xmlns="" r:id="rId46" roundtripDataSignature="AMtx7mhpAWAMsNsZsvFZY0BU9YI6FTAo0g=="/>
     </p:ext>
   </p:extLst>
 </p:presentation>
@@ -1736,121 +1735,6 @@
 </file>
 
 <file path=ppt/notesSlides/notesSlide10.xml><?xml version="1.0" encoding="utf-8"?>
-<p:notes xmlns:a="http://schemas.openxmlformats.org/drawingml/2006/main" xmlns:r="http://schemas.openxmlformats.org/officeDocument/2006/relationships" xmlns:p="http://schemas.openxmlformats.org/presentationml/2006/main">
-  <p:cSld>
-    <p:spTree>
-      <p:nvGrpSpPr>
-        <p:cNvPr id="1" name=""/>
-        <p:cNvGrpSpPr/>
-        <p:nvPr/>
-      </p:nvGrpSpPr>
-      <p:grpSpPr>
-        <a:xfrm>
-          <a:off x="0" y="0"/>
-          <a:ext cx="0" cy="0"/>
-          <a:chOff x="0" y="0"/>
-          <a:chExt cx="0" cy="0"/>
-        </a:xfrm>
-      </p:grpSpPr>
-      <p:sp>
-        <p:nvSpPr>
-          <p:cNvPr id="2" name="Slide Image Placeholder 1"/>
-          <p:cNvSpPr>
-            <a:spLocks noGrp="1" noRot="1" noChangeAspect="1"/>
-          </p:cNvSpPr>
-          <p:nvPr>
-            <p:ph type="sldImg"/>
-          </p:nvPr>
-        </p:nvSpPr>
-        <p:spPr/>
-      </p:sp>
-      <p:sp>
-        <p:nvSpPr>
-          <p:cNvPr id="3" name="Notes Placeholder 2"/>
-          <p:cNvSpPr>
-            <a:spLocks noGrp="1"/>
-          </p:cNvSpPr>
-          <p:nvPr>
-            <p:ph type="body" idx="1"/>
-          </p:nvPr>
-        </p:nvSpPr>
-        <p:spPr/>
-        <p:txBody>
-          <a:bodyPr/>
-          <a:lstStyle/>
-          <a:p>
-            <a:r>
-              <a:rPr lang="en-US" dirty="0"/>
-              <a:t>10 trillion for </a:t>
-            </a:r>
-          </a:p>
-        </p:txBody>
-      </p:sp>
-      <p:sp>
-        <p:nvSpPr>
-          <p:cNvPr id="4" name="Slide Number Placeholder 3"/>
-          <p:cNvSpPr>
-            <a:spLocks noGrp="1"/>
-          </p:cNvSpPr>
-          <p:nvPr>
-            <p:ph type="sldNum" idx="12"/>
-          </p:nvPr>
-        </p:nvSpPr>
-        <p:spPr/>
-        <p:txBody>
-          <a:bodyPr/>
-          <a:lstStyle/>
-          <a:p>
-            <a:pPr marL="0" marR="0" lvl="0" indent="0" algn="r" rtl="0">
-              <a:lnSpc>
-                <a:spcPct val="100000"/>
-              </a:lnSpc>
-              <a:spcBef>
-                <a:spcPts val="0"/>
-              </a:spcBef>
-              <a:spcAft>
-                <a:spcPts val="0"/>
-              </a:spcAft>
-              <a:buNone/>
-            </a:pPr>
-            <a:fld id="{00000000-1234-1234-1234-123412341234}" type="slidenum">
-              <a:rPr lang="en-US" sz="1300" b="0" i="0" u="none" strike="noStrike" cap="none" smtClean="0">
-                <a:solidFill>
-                  <a:srgbClr val="000000"/>
-                </a:solidFill>
-                <a:latin typeface="Arial"/>
-                <a:ea typeface="Arial"/>
-                <a:cs typeface="Arial"/>
-                <a:sym typeface="Arial"/>
-              </a:rPr>
-              <a:t>10</a:t>
-            </a:fld>
-            <a:endParaRPr lang="en-US" sz="1300" b="0" i="0" u="none" strike="noStrike" cap="none">
-              <a:solidFill>
-                <a:srgbClr val="000000"/>
-              </a:solidFill>
-              <a:latin typeface="Arial"/>
-              <a:ea typeface="Arial"/>
-              <a:cs typeface="Arial"/>
-              <a:sym typeface="Arial"/>
-            </a:endParaRPr>
-          </a:p>
-        </p:txBody>
-      </p:sp>
-    </p:spTree>
-    <p:extLst>
-      <p:ext uri="{BB962C8B-B14F-4D97-AF65-F5344CB8AC3E}">
-        <p14:creationId xmlns:p14="http://schemas.microsoft.com/office/powerpoint/2010/main" val="1096053129"/>
-      </p:ext>
-    </p:extLst>
-  </p:cSld>
-  <p:clrMapOvr>
-    <a:masterClrMapping/>
-  </p:clrMapOvr>
-</p:notes>
-</file>
-
-<file path=ppt/notesSlides/notesSlide11.xml><?xml version="1.0" encoding="utf-8"?>
 <p:notes xmlns:a="http://schemas.openxmlformats.org/drawingml/2006/main" xmlns:r="http://schemas.openxmlformats.org/officeDocument/2006/relationships" xmlns:p="http://schemas.openxmlformats.org/presentationml/2006/main" showMasterSp="0" showMasterPhAnim="0">
   <p:cSld>
     <p:spTree>
@@ -1977,7 +1861,7 @@
 </p:notes>
 </file>
 
-<file path=ppt/notesSlides/notesSlide12.xml><?xml version="1.0" encoding="utf-8"?>
+<file path=ppt/notesSlides/notesSlide11.xml><?xml version="1.0" encoding="utf-8"?>
 <p:notes xmlns:a="http://schemas.openxmlformats.org/drawingml/2006/main" xmlns:r="http://schemas.openxmlformats.org/officeDocument/2006/relationships" xmlns:p="http://schemas.openxmlformats.org/presentationml/2006/main" showMasterSp="0" showMasterPhAnim="0">
   <p:cSld>
     <p:spTree>
@@ -2130,7 +2014,7 @@
             </a:pPr>
             <a:fld id="{00000000-1234-1234-1234-123412341234}" type="slidenum">
               <a:rPr lang="en-US"/>
-              <a:t>14</a:t>
+              <a:t>13</a:t>
             </a:fld>
             <a:endParaRPr/>
           </a:p>
@@ -2874,185 +2758,6 @@
   <p:cSld>
     <p:spTree>
       <p:nvGrpSpPr>
-        <p:cNvPr id="1" name="Shape 462">
-          <a:extLst>
-            <a:ext uri="{FF2B5EF4-FFF2-40B4-BE49-F238E27FC236}">
-              <a16:creationId xmlns:a16="http://schemas.microsoft.com/office/drawing/2014/main" id="{C290B66C-F47B-BF18-CD78-87C5BE8368A5}"/>
-            </a:ext>
-          </a:extLst>
-        </p:cNvPr>
-        <p:cNvGrpSpPr/>
-        <p:nvPr/>
-      </p:nvGrpSpPr>
-      <p:grpSpPr>
-        <a:xfrm>
-          <a:off x="0" y="0"/>
-          <a:ext cx="0" cy="0"/>
-          <a:chOff x="0" y="0"/>
-          <a:chExt cx="0" cy="0"/>
-        </a:xfrm>
-      </p:grpSpPr>
-      <p:sp>
-        <p:nvSpPr>
-          <p:cNvPr id="463" name="Google Shape;463;g332090ed30b_0_3:notes">
-            <a:extLst>
-              <a:ext uri="{FF2B5EF4-FFF2-40B4-BE49-F238E27FC236}">
-                <a16:creationId xmlns:a16="http://schemas.microsoft.com/office/drawing/2014/main" id="{C55B33AF-22C8-7FD9-F85D-B2FA4C10E8E0}"/>
-              </a:ext>
-            </a:extLst>
-          </p:cNvPr>
-          <p:cNvSpPr>
-            <a:spLocks noGrp="1" noRot="1" noChangeAspect="1"/>
-          </p:cNvSpPr>
-          <p:nvPr>
-            <p:ph type="sldImg" idx="2"/>
-          </p:nvPr>
-        </p:nvSpPr>
-        <p:spPr>
-          <a:xfrm>
-            <a:off x="719138" y="1163638"/>
-            <a:ext cx="5581650" cy="3140075"/>
-          </a:xfrm>
-          <a:custGeom>
-            <a:avLst/>
-            <a:gdLst/>
-            <a:ahLst/>
-            <a:cxnLst/>
-            <a:rect l="l" t="t" r="r" b="b"/>
-            <a:pathLst>
-              <a:path w="120000" h="120000" extrusionOk="0">
-                <a:moveTo>
-                  <a:pt x="0" y="0"/>
-                </a:moveTo>
-                <a:lnTo>
-                  <a:pt x="120000" y="0"/>
-                </a:lnTo>
-                <a:lnTo>
-                  <a:pt x="120000" y="120000"/>
-                </a:lnTo>
-                <a:lnTo>
-                  <a:pt x="0" y="120000"/>
-                </a:lnTo>
-                <a:close/>
-              </a:path>
-            </a:pathLst>
-          </a:custGeom>
-        </p:spPr>
-      </p:sp>
-      <p:sp>
-        <p:nvSpPr>
-          <p:cNvPr id="464" name="Google Shape;464;g332090ed30b_0_3:notes">
-            <a:extLst>
-              <a:ext uri="{FF2B5EF4-FFF2-40B4-BE49-F238E27FC236}">
-                <a16:creationId xmlns:a16="http://schemas.microsoft.com/office/drawing/2014/main" id="{FCDE98BF-38EB-BA68-AB0B-2B5D1593321D}"/>
-              </a:ext>
-            </a:extLst>
-          </p:cNvPr>
-          <p:cNvSpPr txBox="1">
-            <a:spLocks noGrp="1"/>
-          </p:cNvSpPr>
-          <p:nvPr>
-            <p:ph type="body" idx="1"/>
-          </p:nvPr>
-        </p:nvSpPr>
-        <p:spPr>
-          <a:xfrm>
-            <a:off x="701993" y="4478477"/>
-            <a:ext cx="5616000" cy="3664200"/>
-          </a:xfrm>
-          <a:prstGeom prst="rect">
-            <a:avLst/>
-          </a:prstGeom>
-        </p:spPr>
-        <p:txBody>
-          <a:bodyPr spcFirstLastPara="1" wrap="square" lIns="93275" tIns="46625" rIns="93275" bIns="46625" anchor="t" anchorCtr="0">
-            <a:noAutofit/>
-          </a:bodyPr>
-          <a:lstStyle/>
-          <a:p>
-            <a:pPr marL="0" lvl="0" indent="0" algn="l" rtl="0">
-              <a:spcBef>
-                <a:spcPts val="0"/>
-              </a:spcBef>
-              <a:spcAft>
-                <a:spcPts val="0"/>
-              </a:spcAft>
-              <a:buNone/>
-            </a:pPr>
-            <a:endParaRPr/>
-          </a:p>
-        </p:txBody>
-      </p:sp>
-      <p:sp>
-        <p:nvSpPr>
-          <p:cNvPr id="465" name="Google Shape;465;g332090ed30b_0_3:notes">
-            <a:extLst>
-              <a:ext uri="{FF2B5EF4-FFF2-40B4-BE49-F238E27FC236}">
-                <a16:creationId xmlns:a16="http://schemas.microsoft.com/office/drawing/2014/main" id="{9FD19B8F-4B9D-9235-B873-A6185FD1212A}"/>
-              </a:ext>
-            </a:extLst>
-          </p:cNvPr>
-          <p:cNvSpPr txBox="1">
-            <a:spLocks noGrp="1"/>
-          </p:cNvSpPr>
-          <p:nvPr>
-            <p:ph type="sldNum" idx="12"/>
-          </p:nvPr>
-        </p:nvSpPr>
-        <p:spPr>
-          <a:xfrm>
-            <a:off x="3976333" y="8839014"/>
-            <a:ext cx="3042000" cy="466800"/>
-          </a:xfrm>
-          <a:prstGeom prst="rect">
-            <a:avLst/>
-          </a:prstGeom>
-        </p:spPr>
-        <p:txBody>
-          <a:bodyPr spcFirstLastPara="1" wrap="square" lIns="93275" tIns="46625" rIns="93275" bIns="46625" anchor="b" anchorCtr="0">
-            <a:noAutofit/>
-          </a:bodyPr>
-          <a:lstStyle/>
-          <a:p>
-            <a:pPr marL="0" lvl="0" indent="0" algn="r" rtl="0">
-              <a:spcBef>
-                <a:spcPts val="0"/>
-              </a:spcBef>
-              <a:spcAft>
-                <a:spcPts val="0"/>
-              </a:spcAft>
-              <a:buClr>
-                <a:srgbClr val="000000"/>
-              </a:buClr>
-              <a:buFont typeface="Arial"/>
-              <a:buNone/>
-            </a:pPr>
-            <a:fld id="{00000000-1234-1234-1234-123412341234}" type="slidenum">
-              <a:rPr lang="en-US"/>
-              <a:t>7</a:t>
-            </a:fld>
-            <a:endParaRPr/>
-          </a:p>
-        </p:txBody>
-      </p:sp>
-    </p:spTree>
-    <p:extLst>
-      <p:ext uri="{BB962C8B-B14F-4D97-AF65-F5344CB8AC3E}">
-        <p14:creationId xmlns:p14="http://schemas.microsoft.com/office/powerpoint/2010/main" val="90338759"/>
-      </p:ext>
-    </p:extLst>
-  </p:cSld>
-  <p:clrMapOvr>
-    <a:masterClrMapping/>
-  </p:clrMapOvr>
-</p:notes>
-</file>
-
-<file path=ppt/notesSlides/notesSlide8.xml><?xml version="1.0" encoding="utf-8"?>
-<p:notes xmlns:a="http://schemas.openxmlformats.org/drawingml/2006/main" xmlns:r="http://schemas.openxmlformats.org/officeDocument/2006/relationships" xmlns:p="http://schemas.openxmlformats.org/presentationml/2006/main" showMasterSp="0" showMasterPhAnim="0">
-  <p:cSld>
-    <p:spTree>
-      <p:nvGrpSpPr>
         <p:cNvPr id="1" name="Shape 462"/>
         <p:cNvGrpSpPr/>
         <p:nvPr/>
@@ -3184,7 +2889,7 @@
             </a:pPr>
             <a:fld id="{00000000-1234-1234-1234-123412341234}" type="slidenum">
               <a:rPr lang="en-US"/>
-              <a:t>8</a:t>
+              <a:t>7</a:t>
             </a:fld>
             <a:endParaRPr/>
           </a:p>
@@ -3198,7 +2903,7 @@
 </p:notes>
 </file>
 
-<file path=ppt/notesSlides/notesSlide9.xml><?xml version="1.0" encoding="utf-8"?>
+<file path=ppt/notesSlides/notesSlide8.xml><?xml version="1.0" encoding="utf-8"?>
 <p:notes xmlns:a="http://schemas.openxmlformats.org/drawingml/2006/main" xmlns:r="http://schemas.openxmlformats.org/officeDocument/2006/relationships" xmlns:p="http://schemas.openxmlformats.org/presentationml/2006/main" showMasterSp="0" showMasterPhAnim="0">
   <p:cSld>
     <p:spTree>
@@ -3295,6 +3000,121 @@
         </p:spPr>
       </p:sp>
     </p:spTree>
+  </p:cSld>
+  <p:clrMapOvr>
+    <a:masterClrMapping/>
+  </p:clrMapOvr>
+</p:notes>
+</file>
+
+<file path=ppt/notesSlides/notesSlide9.xml><?xml version="1.0" encoding="utf-8"?>
+<p:notes xmlns:a="http://schemas.openxmlformats.org/drawingml/2006/main" xmlns:r="http://schemas.openxmlformats.org/officeDocument/2006/relationships" xmlns:p="http://schemas.openxmlformats.org/presentationml/2006/main">
+  <p:cSld>
+    <p:spTree>
+      <p:nvGrpSpPr>
+        <p:cNvPr id="1" name=""/>
+        <p:cNvGrpSpPr/>
+        <p:nvPr/>
+      </p:nvGrpSpPr>
+      <p:grpSpPr>
+        <a:xfrm>
+          <a:off x="0" y="0"/>
+          <a:ext cx="0" cy="0"/>
+          <a:chOff x="0" y="0"/>
+          <a:chExt cx="0" cy="0"/>
+        </a:xfrm>
+      </p:grpSpPr>
+      <p:sp>
+        <p:nvSpPr>
+          <p:cNvPr id="2" name="Slide Image Placeholder 1"/>
+          <p:cNvSpPr>
+            <a:spLocks noGrp="1" noRot="1" noChangeAspect="1"/>
+          </p:cNvSpPr>
+          <p:nvPr>
+            <p:ph type="sldImg"/>
+          </p:nvPr>
+        </p:nvSpPr>
+        <p:spPr/>
+      </p:sp>
+      <p:sp>
+        <p:nvSpPr>
+          <p:cNvPr id="3" name="Notes Placeholder 2"/>
+          <p:cNvSpPr>
+            <a:spLocks noGrp="1"/>
+          </p:cNvSpPr>
+          <p:nvPr>
+            <p:ph type="body" idx="1"/>
+          </p:nvPr>
+        </p:nvSpPr>
+        <p:spPr/>
+        <p:txBody>
+          <a:bodyPr/>
+          <a:lstStyle/>
+          <a:p>
+            <a:r>
+              <a:rPr lang="en-US" dirty="0"/>
+              <a:t>10 trillion for </a:t>
+            </a:r>
+          </a:p>
+        </p:txBody>
+      </p:sp>
+      <p:sp>
+        <p:nvSpPr>
+          <p:cNvPr id="4" name="Slide Number Placeholder 3"/>
+          <p:cNvSpPr>
+            <a:spLocks noGrp="1"/>
+          </p:cNvSpPr>
+          <p:nvPr>
+            <p:ph type="sldNum" idx="12"/>
+          </p:nvPr>
+        </p:nvSpPr>
+        <p:spPr/>
+        <p:txBody>
+          <a:bodyPr/>
+          <a:lstStyle/>
+          <a:p>
+            <a:pPr marL="0" marR="0" lvl="0" indent="0" algn="r" rtl="0">
+              <a:lnSpc>
+                <a:spcPct val="100000"/>
+              </a:lnSpc>
+              <a:spcBef>
+                <a:spcPts val="0"/>
+              </a:spcBef>
+              <a:spcAft>
+                <a:spcPts val="0"/>
+              </a:spcAft>
+              <a:buNone/>
+            </a:pPr>
+            <a:fld id="{00000000-1234-1234-1234-123412341234}" type="slidenum">
+              <a:rPr lang="en-US" sz="1300" b="0" i="0" u="none" strike="noStrike" cap="none" smtClean="0">
+                <a:solidFill>
+                  <a:srgbClr val="000000"/>
+                </a:solidFill>
+                <a:latin typeface="Arial"/>
+                <a:ea typeface="Arial"/>
+                <a:cs typeface="Arial"/>
+                <a:sym typeface="Arial"/>
+              </a:rPr>
+              <a:t>9</a:t>
+            </a:fld>
+            <a:endParaRPr lang="en-US" sz="1300" b="0" i="0" u="none" strike="noStrike" cap="none">
+              <a:solidFill>
+                <a:srgbClr val="000000"/>
+              </a:solidFill>
+              <a:latin typeface="Arial"/>
+              <a:ea typeface="Arial"/>
+              <a:cs typeface="Arial"/>
+              <a:sym typeface="Arial"/>
+            </a:endParaRPr>
+          </a:p>
+        </p:txBody>
+      </p:sp>
+    </p:spTree>
+    <p:extLst>
+      <p:ext uri="{BB962C8B-B14F-4D97-AF65-F5344CB8AC3E}">
+        <p14:creationId xmlns:p14="http://schemas.microsoft.com/office/powerpoint/2010/main" val="1096053129"/>
+      </p:ext>
+    </p:extLst>
   </p:cSld>
   <p:clrMapOvr>
     <a:masterClrMapping/>
@@ -18287,10 +18107,10 @@
               <a:buNone/>
             </a:pPr>
             <a:r>
-              <a:rPr lang="en-US"/>
+              <a:rPr lang="en-US" dirty="0"/>
               <a:t>Introduction to Social Sequence Analysis</a:t>
             </a:r>
-            <a:endParaRPr/>
+            <a:endParaRPr dirty="0"/>
           </a:p>
         </p:txBody>
       </p:sp>
@@ -18306,7 +18126,7 @@
         </p:nvSpPr>
         <p:spPr>
           <a:xfrm>
-            <a:off x="831851" y="4139299"/>
+            <a:off x="831851" y="3918343"/>
             <a:ext cx="10515600" cy="1500717"/>
           </a:xfrm>
           <a:prstGeom prst="rect">
@@ -18343,7 +18163,80 @@
               <a:rPr lang="en-US" dirty="0"/>
               <a:t>Theory and applications</a:t>
             </a:r>
-            <a:endParaRPr dirty="0"/>
+          </a:p>
+          <a:p>
+            <a:pPr marL="0" lvl="0" indent="0" algn="l" rtl="0">
+              <a:lnSpc>
+                <a:spcPct val="90000"/>
+              </a:lnSpc>
+              <a:spcBef>
+                <a:spcPts val="0"/>
+              </a:spcBef>
+              <a:spcAft>
+                <a:spcPts val="0"/>
+              </a:spcAft>
+              <a:buClr>
+                <a:srgbClr val="888888"/>
+              </a:buClr>
+              <a:buSzPts val="3200"/>
+              <a:buNone/>
+            </a:pPr>
+            <a:endParaRPr lang="en-US" dirty="0"/>
+          </a:p>
+          <a:p>
+            <a:pPr marL="0" lvl="0" indent="0" algn="l" rtl="0">
+              <a:lnSpc>
+                <a:spcPct val="90000"/>
+              </a:lnSpc>
+              <a:spcBef>
+                <a:spcPts val="0"/>
+              </a:spcBef>
+              <a:spcAft>
+                <a:spcPts val="0"/>
+              </a:spcAft>
+              <a:buClr>
+                <a:srgbClr val="888888"/>
+              </a:buClr>
+              <a:buSzPts val="3200"/>
+              <a:buNone/>
+            </a:pPr>
+            <a:r>
+              <a:rPr lang="en-US" b="0" dirty="0">
+                <a:hlinkClick r:id="rId3"/>
+              </a:rPr>
+              <a:t>https://</a:t>
+            </a:r>
+            <a:r>
+              <a:rPr lang="en-US" b="0" dirty="0" err="1">
+                <a:hlinkClick r:id="rId3"/>
+              </a:rPr>
+              <a:t>github.com</a:t>
+            </a:r>
+            <a:r>
+              <a:rPr lang="en-US" b="0" dirty="0">
+                <a:hlinkClick r:id="rId3"/>
+              </a:rPr>
+              <a:t>/</a:t>
+            </a:r>
+            <a:r>
+              <a:rPr lang="en-US" b="0" dirty="0" err="1">
+                <a:hlinkClick r:id="rId3"/>
+              </a:rPr>
+              <a:t>XueWenSYan</a:t>
+            </a:r>
+            <a:r>
+              <a:rPr lang="en-US" b="0" dirty="0">
+                <a:hlinkClick r:id="rId3"/>
+              </a:rPr>
+              <a:t>/</a:t>
+            </a:r>
+            <a:r>
+              <a:rPr lang="en-US" b="0" dirty="0" err="1">
+                <a:hlinkClick r:id="rId3"/>
+              </a:rPr>
+              <a:t>PRC_Materials</a:t>
+            </a:r>
+            <a:endParaRPr b="0" dirty="0"/>
           </a:p>
         </p:txBody>
       </p:sp>
@@ -18434,7 +18327,7 @@
               <a:buNone/>
             </a:pPr>
             <a:r>
-              <a:rPr lang="en-US" sz="1000" b="0" i="0" u="none" strike="noStrike" cap="none">
+              <a:rPr lang="en-US" sz="1000" b="0" i="0" u="none" strike="noStrike" cap="none" dirty="0">
                 <a:solidFill>
                   <a:srgbClr val="000000"/>
                 </a:solidFill>
@@ -18443,9 +18336,33 @@
                 <a:cs typeface="Arial"/>
                 <a:sym typeface="Arial"/>
               </a:rPr>
-              <a:t>2023 by Xuewen Yan</a:t>
+              <a:t>2025 by </a:t>
             </a:r>
-            <a:endParaRPr/>
+            <a:r>
+              <a:rPr lang="en-US" sz="1000" b="0" i="0" u="none" strike="noStrike" cap="none" dirty="0" err="1">
+                <a:solidFill>
+                  <a:srgbClr val="000000"/>
+                </a:solidFill>
+                <a:latin typeface="Arial"/>
+                <a:ea typeface="Arial"/>
+                <a:cs typeface="Arial"/>
+                <a:sym typeface="Arial"/>
+              </a:rPr>
+              <a:t>Xuewen</a:t>
+            </a:r>
+            <a:r>
+              <a:rPr lang="en-US" sz="1000" b="0" i="0" u="none" strike="noStrike" cap="none" dirty="0">
+                <a:solidFill>
+                  <a:srgbClr val="000000"/>
+                </a:solidFill>
+                <a:latin typeface="Arial"/>
+                <a:ea typeface="Arial"/>
+                <a:cs typeface="Arial"/>
+                <a:sym typeface="Arial"/>
+              </a:rPr>
+              <a:t> Yan</a:t>
+            </a:r>
+            <a:endParaRPr dirty="0"/>
           </a:p>
         </p:txBody>
       </p:sp>
@@ -18458,357 +18375,6 @@
 </file>
 
 <file path=ppt/slides/slide10.xml><?xml version="1.0" encoding="utf-8"?>
-<p:sld xmlns:a="http://schemas.openxmlformats.org/drawingml/2006/main" xmlns:r="http://schemas.openxmlformats.org/officeDocument/2006/relationships" xmlns:p="http://schemas.openxmlformats.org/presentationml/2006/main">
-  <p:cSld>
-    <p:spTree>
-      <p:nvGrpSpPr>
-        <p:cNvPr id="1" name=""/>
-        <p:cNvGrpSpPr/>
-        <p:nvPr/>
-      </p:nvGrpSpPr>
-      <p:grpSpPr>
-        <a:xfrm>
-          <a:off x="0" y="0"/>
-          <a:ext cx="0" cy="0"/>
-          <a:chOff x="0" y="0"/>
-          <a:chExt cx="0" cy="0"/>
-        </a:xfrm>
-      </p:grpSpPr>
-      <p:sp>
-        <p:nvSpPr>
-          <p:cNvPr id="2" name="Title 1">
-            <a:extLst>
-              <a:ext uri="{FF2B5EF4-FFF2-40B4-BE49-F238E27FC236}">
-                <a16:creationId xmlns:a16="http://schemas.microsoft.com/office/drawing/2014/main" id="{8B7CD689-CE80-DE8B-5A04-CCB76050BCBD}"/>
-              </a:ext>
-            </a:extLst>
-          </p:cNvPr>
-          <p:cNvSpPr>
-            <a:spLocks noGrp="1"/>
-          </p:cNvSpPr>
-          <p:nvPr>
-            <p:ph type="title"/>
-          </p:nvPr>
-        </p:nvSpPr>
-        <p:spPr/>
-        <p:txBody>
-          <a:bodyPr/>
-          <a:lstStyle/>
-          <a:p>
-            <a:r>
-              <a:rPr lang="en-US" dirty="0"/>
-              <a:t>Defining a sequence: substantive meaning &amp; computational power</a:t>
-            </a:r>
-          </a:p>
-        </p:txBody>
-      </p:sp>
-      <mc:AlternateContent xmlns:mc="http://schemas.openxmlformats.org/markup-compatibility/2006" xmlns:a14="http://schemas.microsoft.com/office/drawing/2010/main">
-        <mc:Choice Requires="a14">
-          <p:sp>
-            <p:nvSpPr>
-              <p:cNvPr id="3" name="Text Placeholder 2">
-                <a:extLst>
-                  <a:ext uri="{FF2B5EF4-FFF2-40B4-BE49-F238E27FC236}">
-                    <a16:creationId xmlns:a16="http://schemas.microsoft.com/office/drawing/2014/main" id="{979E9EB1-50C4-8010-E31C-618CA7FED74F}"/>
-                  </a:ext>
-                </a:extLst>
-              </p:cNvPr>
-              <p:cNvSpPr>
-                <a:spLocks noGrp="1"/>
-              </p:cNvSpPr>
-              <p:nvPr>
-                <p:ph type="body" idx="1"/>
-              </p:nvPr>
-            </p:nvSpPr>
-            <p:spPr>
-              <a:xfrm>
-                <a:off x="977089" y="1787071"/>
-                <a:ext cx="10237821" cy="4471489"/>
-              </a:xfrm>
-            </p:spPr>
-            <p:txBody>
-              <a:bodyPr>
-                <a:normAutofit fontScale="77500" lnSpcReduction="20000"/>
-              </a:bodyPr>
-              <a:lstStyle/>
-              <a:p>
-                <a:r>
-                  <a:rPr lang="en-US" b="0" dirty="0"/>
-                  <a:t>Suggested number of states/elements: 5-10; 2-15</a:t>
-                </a:r>
-              </a:p>
-              <a:p>
-                <a:r>
-                  <a:rPr lang="en-US" b="0" dirty="0"/>
-                  <a:t>Time definition and interval (age? Year? Month?)</a:t>
-                </a:r>
-              </a:p>
-              <a:p>
-                <a:r>
-                  <a:rPr lang="en-US" b="0" dirty="0"/>
-                  <a:t>Pairwise comparison across the sample for each person’s sequence</a:t>
-                </a:r>
-              </a:p>
-              <a:p>
-                <a:pPr lvl="1"/>
-                <a14:m>
-                  <m:oMath xmlns:m="http://schemas.openxmlformats.org/officeDocument/2006/math">
-                    <m:r>
-                      <m:rPr>
-                        <m:sty m:val="p"/>
-                      </m:rPr>
-                      <a:rPr lang="en-US" b="0" i="0" smtClean="0">
-                        <a:latin typeface="Cambria Math" panose="02040503050406030204" pitchFamily="18" charset="0"/>
-                      </a:rPr>
-                      <m:t>Possible</m:t>
-                    </m:r>
-                    <m:r>
-                      <a:rPr lang="en-US" b="0" i="0" smtClean="0">
-                        <a:latin typeface="Cambria Math" panose="02040503050406030204" pitchFamily="18" charset="0"/>
-                      </a:rPr>
-                      <m:t> </m:t>
-                    </m:r>
-                    <m:r>
-                      <m:rPr>
-                        <m:sty m:val="p"/>
-                      </m:rPr>
-                      <a:rPr lang="en-US" b="0" i="0" smtClean="0">
-                        <a:latin typeface="Cambria Math" panose="02040503050406030204" pitchFamily="18" charset="0"/>
-                      </a:rPr>
-                      <m:t>sequences</m:t>
-                    </m:r>
-                    <m:r>
-                      <a:rPr lang="en-US" b="0" i="1" smtClean="0">
-                        <a:latin typeface="Cambria Math" panose="02040503050406030204" pitchFamily="18" charset="0"/>
-                      </a:rPr>
-                      <m:t>=</m:t>
-                    </m:r>
-                    <m:sSup>
-                      <m:sSupPr>
-                        <m:ctrlPr>
-                          <a:rPr lang="en-US" b="0" i="1" smtClean="0">
-                            <a:latin typeface="Cambria Math" panose="02040503050406030204" pitchFamily="18" charset="0"/>
-                          </a:rPr>
-                        </m:ctrlPr>
-                      </m:sSupPr>
-                      <m:e>
-                        <m:r>
-                          <a:rPr lang="en-US" b="0" i="1" smtClean="0">
-                            <a:latin typeface="Cambria Math" panose="02040503050406030204" pitchFamily="18" charset="0"/>
-                          </a:rPr>
-                          <m:t>𝑁</m:t>
-                        </m:r>
-                        <m:r>
-                          <a:rPr lang="en-US" b="0" i="1" smtClean="0">
-                            <a:latin typeface="Cambria Math" panose="02040503050406030204" pitchFamily="18" charset="0"/>
-                          </a:rPr>
-                          <m:t>_</m:t>
-                        </m:r>
-                        <m:r>
-                          <a:rPr lang="en-US" b="0" i="1" smtClean="0">
-                            <a:latin typeface="Cambria Math" panose="02040503050406030204" pitchFamily="18" charset="0"/>
-                          </a:rPr>
-                          <m:t>𝑠𝑡𝑎𝑡𝑒𝑠</m:t>
-                        </m:r>
-                      </m:e>
-                      <m:sup>
-                        <m:r>
-                          <a:rPr lang="en-US" b="0" i="1" smtClean="0">
-                            <a:latin typeface="Cambria Math" panose="02040503050406030204" pitchFamily="18" charset="0"/>
-                          </a:rPr>
-                          <m:t>𝑁</m:t>
-                        </m:r>
-                        <m:r>
-                          <a:rPr lang="en-US" b="0" i="1" smtClean="0">
-                            <a:latin typeface="Cambria Math" panose="02040503050406030204" pitchFamily="18" charset="0"/>
-                          </a:rPr>
-                          <m:t>_</m:t>
-                        </m:r>
-                        <m:r>
-                          <a:rPr lang="en-US" b="0" i="1" smtClean="0">
-                            <a:latin typeface="Cambria Math" panose="02040503050406030204" pitchFamily="18" charset="0"/>
-                          </a:rPr>
-                          <m:t>𝑝𝑜𝑠𝑖𝑡𝑖𝑜𝑛𝑠</m:t>
-                        </m:r>
-                      </m:sup>
-                    </m:sSup>
-                    <m:r>
-                      <a:rPr lang="en-US" b="0" i="1" smtClean="0">
-                        <a:latin typeface="Cambria Math" panose="02040503050406030204" pitchFamily="18" charset="0"/>
-                      </a:rPr>
-                      <m:t> </m:t>
-                    </m:r>
-                  </m:oMath>
-                </a14:m>
-                <a:endParaRPr lang="en-US" b="0" dirty="0">
-                  <a:latin typeface="Tahoma" panose="020B0604030504040204" pitchFamily="34" charset="0"/>
-                  <a:ea typeface="Tahoma" panose="020B0604030504040204" pitchFamily="34" charset="0"/>
-                  <a:cs typeface="Tahoma" panose="020B0604030504040204" pitchFamily="34" charset="0"/>
-                </a:endParaRPr>
-              </a:p>
-              <a:p>
-                <a:pPr lvl="1"/>
-                <a:r>
-                  <a:rPr lang="en-US" b="0" i="1" dirty="0"/>
-                  <a:t>n</a:t>
-                </a:r>
-                <a:r>
-                  <a:rPr lang="en-US" b="0" dirty="0"/>
-                  <a:t> = 1000 large enough</a:t>
-                </a:r>
-              </a:p>
-              <a:p>
-                <a:r>
-                  <a:rPr lang="en-US" b="0" dirty="0"/>
-                  <a:t>Missing values</a:t>
-                </a:r>
-              </a:p>
-              <a:p>
-                <a:pPr lvl="1"/>
-                <a:r>
-                  <a:rPr lang="en-US" sz="3200" b="0" dirty="0"/>
-                  <a:t>Usually equal length/number of positions in life course studies</a:t>
-                </a:r>
-              </a:p>
-              <a:p>
-                <a:pPr lvl="1"/>
-                <a:r>
-                  <a:rPr lang="en-US" b="0" dirty="0"/>
-                  <a:t>TraMineR accepts missing states</a:t>
-                </a:r>
-              </a:p>
-              <a:p>
-                <a:pPr lvl="1"/>
-                <a:r>
-                  <a:rPr lang="en-US" b="0" dirty="0"/>
-                  <a:t>Create a new state for missingness</a:t>
-                </a:r>
-              </a:p>
-              <a:p>
-                <a:pPr lvl="1"/>
-                <a:r>
-                  <a:rPr lang="en-US" b="0" dirty="0"/>
-                  <a:t>Imputation methods</a:t>
-                </a:r>
-              </a:p>
-              <a:p>
-                <a:pPr lvl="1"/>
-                <a:endParaRPr lang="en-US" b="0" dirty="0"/>
-              </a:p>
-              <a:p>
-                <a:pPr lvl="1"/>
-                <a:endParaRPr lang="en-US" b="0" dirty="0"/>
-              </a:p>
-              <a:p>
-                <a:pPr lvl="1"/>
-                <a:endParaRPr lang="en-US" b="0" dirty="0"/>
-              </a:p>
-              <a:p>
-                <a:pPr lvl="1"/>
-                <a:endParaRPr lang="en-US" dirty="0"/>
-              </a:p>
-              <a:p>
-                <a:endParaRPr lang="en-US" b="0" dirty="0"/>
-              </a:p>
-            </p:txBody>
-          </p:sp>
-        </mc:Choice>
-        <mc:Fallback xmlns="">
-          <p:sp>
-            <p:nvSpPr>
-              <p:cNvPr id="3" name="Text Placeholder 2">
-                <a:extLst>
-                  <a:ext uri="{FF2B5EF4-FFF2-40B4-BE49-F238E27FC236}">
-                    <a16:creationId xmlns:a16="http://schemas.microsoft.com/office/drawing/2014/main" id="{979E9EB1-50C4-8010-E31C-618CA7FED74F}"/>
-                  </a:ext>
-                </a:extLst>
-              </p:cNvPr>
-              <p:cNvSpPr>
-                <a:spLocks noGrp="1" noRot="1" noChangeAspect="1" noMove="1" noResize="1" noEditPoints="1" noAdjustHandles="1" noChangeArrowheads="1" noChangeShapeType="1" noTextEdit="1"/>
-              </p:cNvSpPr>
-              <p:nvPr>
-                <p:ph type="body" idx="1"/>
-              </p:nvPr>
-            </p:nvSpPr>
-            <p:spPr>
-              <a:xfrm>
-                <a:off x="977089" y="1787071"/>
-                <a:ext cx="10237821" cy="4471489"/>
-              </a:xfrm>
-              <a:blipFill>
-                <a:blip r:embed="rId3"/>
-                <a:stretch>
-                  <a:fillRect/>
-                </a:stretch>
-              </a:blipFill>
-            </p:spPr>
-            <p:txBody>
-              <a:bodyPr/>
-              <a:lstStyle/>
-              <a:p>
-                <a:r>
-                  <a:rPr lang="en-US">
-                    <a:noFill/>
-                  </a:rPr>
-                  <a:t> </a:t>
-                </a:r>
-              </a:p>
-            </p:txBody>
-          </p:sp>
-        </mc:Fallback>
-      </mc:AlternateContent>
-      <p:sp>
-        <p:nvSpPr>
-          <p:cNvPr id="4" name="Slide Number Placeholder 3">
-            <a:extLst>
-              <a:ext uri="{FF2B5EF4-FFF2-40B4-BE49-F238E27FC236}">
-                <a16:creationId xmlns:a16="http://schemas.microsoft.com/office/drawing/2014/main" id="{18CC38CB-5B50-40CB-010F-484AE1861A55}"/>
-              </a:ext>
-            </a:extLst>
-          </p:cNvPr>
-          <p:cNvSpPr>
-            <a:spLocks noGrp="1"/>
-          </p:cNvSpPr>
-          <p:nvPr>
-            <p:ph type="sldNum" idx="12"/>
-          </p:nvPr>
-        </p:nvSpPr>
-        <p:spPr/>
-        <p:txBody>
-          <a:bodyPr/>
-          <a:lstStyle/>
-          <a:p>
-            <a:pPr marL="0" lvl="0" indent="0" algn="r" rtl="0">
-              <a:spcBef>
-                <a:spcPts val="0"/>
-              </a:spcBef>
-              <a:spcAft>
-                <a:spcPts val="0"/>
-              </a:spcAft>
-              <a:buNone/>
-            </a:pPr>
-            <a:fld id="{00000000-1234-1234-1234-123412341234}" type="slidenum">
-              <a:rPr lang="en-US" smtClean="0"/>
-              <a:t>10</a:t>
-            </a:fld>
-            <a:endParaRPr lang="en-US"/>
-          </a:p>
-        </p:txBody>
-      </p:sp>
-    </p:spTree>
-    <p:extLst>
-      <p:ext uri="{BB962C8B-B14F-4D97-AF65-F5344CB8AC3E}">
-        <p14:creationId xmlns:p14="http://schemas.microsoft.com/office/powerpoint/2010/main" val="2542956831"/>
-      </p:ext>
-    </p:extLst>
-  </p:cSld>
-  <p:clrMapOvr>
-    <a:masterClrMapping/>
-  </p:clrMapOvr>
-</p:sld>
-</file>
-
-<file path=ppt/slides/slide11.xml><?xml version="1.0" encoding="utf-8"?>
 <p:sld xmlns:a="http://schemas.openxmlformats.org/drawingml/2006/main" xmlns:r="http://schemas.openxmlformats.org/officeDocument/2006/relationships" xmlns:p="http://schemas.openxmlformats.org/presentationml/2006/main">
   <p:cSld>
     <p:spTree>
@@ -18940,7 +18506,7 @@
             </a:pPr>
             <a:fld id="{00000000-1234-1234-1234-123412341234}" type="slidenum">
               <a:rPr lang="en-US"/>
-              <a:t>11</a:t>
+              <a:t>10</a:t>
             </a:fld>
             <a:endParaRPr/>
           </a:p>
@@ -21095,7 +20661,7 @@
 </p:sld>
 </file>
 
-<file path=ppt/slides/slide12.xml><?xml version="1.0" encoding="utf-8"?>
+<file path=ppt/slides/slide11.xml><?xml version="1.0" encoding="utf-8"?>
 <p:sld xmlns:a="http://schemas.openxmlformats.org/drawingml/2006/main" xmlns:r="http://schemas.openxmlformats.org/officeDocument/2006/relationships" xmlns:p="http://schemas.openxmlformats.org/presentationml/2006/main">
   <p:cSld>
     <p:spTree>
@@ -21178,7 +20744,7 @@
             </a:pPr>
             <a:fld id="{00000000-1234-1234-1234-123412341234}" type="slidenum">
               <a:rPr lang="en-US" smtClean="0"/>
-              <a:t>12</a:t>
+              <a:t>11</a:t>
             </a:fld>
             <a:endParaRPr lang="en-US"/>
           </a:p>
@@ -21404,7 +20970,7 @@
 </p:sld>
 </file>
 
-<file path=ppt/slides/slide13.xml><?xml version="1.0" encoding="utf-8"?>
+<file path=ppt/slides/slide12.xml><?xml version="1.0" encoding="utf-8"?>
 <p:sld xmlns:a="http://schemas.openxmlformats.org/drawingml/2006/main" xmlns:r="http://schemas.openxmlformats.org/officeDocument/2006/relationships" xmlns:p="http://schemas.openxmlformats.org/presentationml/2006/main">
   <p:cSld>
     <p:spTree>
@@ -21589,7 +21155,7 @@
             </a:pPr>
             <a:fld id="{00000000-1234-1234-1234-123412341234}" type="slidenum">
               <a:rPr lang="en-US" smtClean="0"/>
-              <a:t>13</a:t>
+              <a:t>12</a:t>
             </a:fld>
             <a:endParaRPr lang="en-US"/>
           </a:p>
@@ -23616,7 +23182,7 @@
 </p:sld>
 </file>
 
-<file path=ppt/slides/slide14.xml><?xml version="1.0" encoding="utf-8"?>
+<file path=ppt/slides/slide13.xml><?xml version="1.0" encoding="utf-8"?>
 <p:sld xmlns:a="http://schemas.openxmlformats.org/drawingml/2006/main" xmlns:r="http://schemas.openxmlformats.org/officeDocument/2006/relationships" xmlns:p="http://schemas.openxmlformats.org/presentationml/2006/main">
   <p:cSld>
     <p:spTree>
@@ -24238,7 +23804,7 @@
             </a:pPr>
             <a:fld id="{00000000-1234-1234-1234-123412341234}" type="slidenum">
               <a:rPr lang="en-US"/>
-              <a:t>14</a:t>
+              <a:t>13</a:t>
             </a:fld>
             <a:endParaRPr dirty="0"/>
           </a:p>
@@ -24252,7 +23818,7 @@
 </p:sld>
 </file>
 
-<file path=ppt/slides/slide15.xml><?xml version="1.0" encoding="utf-8"?>
+<file path=ppt/slides/slide14.xml><?xml version="1.0" encoding="utf-8"?>
 <p:sld xmlns:a="http://schemas.openxmlformats.org/drawingml/2006/main" xmlns:r="http://schemas.openxmlformats.org/officeDocument/2006/relationships" xmlns:p="http://schemas.openxmlformats.org/presentationml/2006/main">
   <p:cSld>
     <p:spTree>
@@ -24388,7 +23954,7 @@
             </a:pPr>
             <a:fld id="{00000000-1234-1234-1234-123412341234}" type="slidenum">
               <a:rPr lang="en-US" smtClean="0"/>
-              <a:t>15</a:t>
+              <a:t>14</a:t>
             </a:fld>
             <a:endParaRPr lang="en-US"/>
           </a:p>
@@ -24593,7 +24159,7 @@
         </p:blipFill>
         <p:spPr>
           <a:xfrm>
-            <a:off x="8025740" y="2987422"/>
+            <a:off x="919067" y="1934601"/>
             <a:ext cx="3138121" cy="1903282"/>
           </a:xfrm>
           <a:prstGeom prst="rect">
@@ -24620,7 +24186,7 @@
         </p:blipFill>
         <p:spPr>
           <a:xfrm>
-            <a:off x="631660" y="1691218"/>
+            <a:off x="8711474" y="3218181"/>
             <a:ext cx="2270360" cy="3120571"/>
           </a:xfrm>
           <a:prstGeom prst="rect">
@@ -24647,7 +24213,7 @@
         </p:blipFill>
         <p:spPr>
           <a:xfrm>
-            <a:off x="3799850" y="2051406"/>
+            <a:off x="4619361" y="2492983"/>
             <a:ext cx="3328060" cy="1872033"/>
           </a:xfrm>
           <a:prstGeom prst="rect">
@@ -24930,7 +24496,6 @@
               <a:rPr lang="en-US" dirty="0"/>
               <a:t>Occurrence of events</a:t>
             </a:r>
-            <a:endParaRPr dirty="0"/>
           </a:p>
         </p:txBody>
       </p:sp>
@@ -25533,193 +25098,93 @@
           </a:p>
         </p:txBody>
       </p:sp>
-      <p:grpSp>
-        <p:nvGrpSpPr>
-          <p:cNvPr id="7" name="Group 6">
+      <p:sp>
+        <p:nvSpPr>
+          <p:cNvPr id="6" name="TextBox 5">
             <a:extLst>
               <a:ext uri="{FF2B5EF4-FFF2-40B4-BE49-F238E27FC236}">
-                <a16:creationId xmlns:a16="http://schemas.microsoft.com/office/drawing/2014/main" id="{622DDB4B-EA39-FA81-0ACA-A32CFC8A091B}"/>
+                <a16:creationId xmlns:a16="http://schemas.microsoft.com/office/drawing/2014/main" id="{BE8CD592-8819-0E70-73FE-8C979A9AFE0E}"/>
               </a:ext>
             </a:extLst>
           </p:cNvPr>
-          <p:cNvGrpSpPr/>
+          <p:cNvSpPr txBox="1"/>
           <p:nvPr/>
-        </p:nvGrpSpPr>
-        <p:grpSpPr>
+        </p:nvSpPr>
+        <p:spPr>
           <a:xfrm>
-            <a:off x="6848856" y="1101027"/>
-            <a:ext cx="4035552" cy="3631764"/>
-            <a:chOff x="6867144" y="1293051"/>
-            <a:chExt cx="4035552" cy="3631764"/>
+            <a:off x="6848856" y="2655652"/>
+            <a:ext cx="4035552" cy="1815882"/>
           </a:xfrm>
-        </p:grpSpPr>
-        <p:sp>
-          <p:nvSpPr>
-            <p:cNvPr id="4" name="TextBox 3">
-              <a:extLst>
-                <a:ext uri="{FF2B5EF4-FFF2-40B4-BE49-F238E27FC236}">
-                  <a16:creationId xmlns:a16="http://schemas.microsoft.com/office/drawing/2014/main" id="{87E5301C-AD15-DA5C-761D-A5D01E3AE668}"/>
-                </a:ext>
-              </a:extLst>
-            </p:cNvPr>
-            <p:cNvSpPr txBox="1"/>
-            <p:nvPr/>
-          </p:nvSpPr>
-          <p:spPr>
-            <a:xfrm>
-              <a:off x="6867144" y="1293051"/>
-              <a:ext cx="4035552" cy="1741502"/>
-            </a:xfrm>
-            <a:prstGeom prst="rect">
-              <a:avLst/>
-            </a:prstGeom>
-          </p:spPr>
-          <p:style>
-            <a:lnRef idx="2">
-              <a:schemeClr val="accent6"/>
-            </a:lnRef>
-            <a:fillRef idx="1">
-              <a:schemeClr val="lt1"/>
-            </a:fillRef>
-            <a:effectRef idx="0">
-              <a:schemeClr val="accent6"/>
-            </a:effectRef>
-            <a:fontRef idx="minor">
-              <a:schemeClr val="dk1"/>
-            </a:fontRef>
-          </p:style>
-          <p:txBody>
-            <a:bodyPr wrap="square">
-              <a:spAutoFit/>
-            </a:bodyPr>
-            <a:lstStyle/>
-            <a:p>
-              <a:pPr marL="342900" indent="-342900" rtl="0">
-                <a:spcBef>
-                  <a:spcPts val="1100"/>
-                </a:spcBef>
-              </a:pPr>
-              <a:r>
-                <a:rPr lang="en-US" sz="1400" b="0" i="0" u="none" strike="noStrike" dirty="0">
-                  <a:solidFill>
-                    <a:srgbClr val="FF0000"/>
-                  </a:solidFill>
-                  <a:effectLst/>
-                  <a:latin typeface="Arial" panose="020B0604020202020204" pitchFamily="34" charset="0"/>
-                </a:rPr>
-                <a:t>Job ad for postdoc: </a:t>
-              </a:r>
-            </a:p>
-            <a:p>
-              <a:pPr marL="342900" indent="-342900" rtl="0">
-                <a:spcBef>
-                  <a:spcPts val="1100"/>
-                </a:spcBef>
-              </a:pPr>
-              <a:r>
-                <a:rPr lang="en-US" sz="1400" b="0" i="0" u="none" strike="noStrike" dirty="0">
-                  <a:solidFill>
-                    <a:srgbClr val="000000"/>
-                  </a:solidFill>
-                  <a:effectLst/>
-                  <a:latin typeface="Arial" panose="020B0604020202020204" pitchFamily="34" charset="0"/>
-                </a:rPr>
-                <a:t>Ph.D. in computational social science (e.g., sociology, management, economics, political science), complex systems (e.g., physics, ecology), network science, computer science, applied mathematics, statistics, or related fields. </a:t>
-              </a:r>
-              <a:endParaRPr lang="en-US" b="0" dirty="0">
+          <a:prstGeom prst="rect">
+            <a:avLst/>
+          </a:prstGeom>
+        </p:spPr>
+        <p:style>
+          <a:lnRef idx="2">
+            <a:schemeClr val="accent6"/>
+          </a:lnRef>
+          <a:fillRef idx="1">
+            <a:schemeClr val="lt1"/>
+          </a:fillRef>
+          <a:effectRef idx="0">
+            <a:schemeClr val="accent6"/>
+          </a:effectRef>
+          <a:fontRef idx="minor">
+            <a:schemeClr val="dk1"/>
+          </a:fontRef>
+        </p:style>
+        <p:txBody>
+          <a:bodyPr wrap="square">
+            <a:spAutoFit/>
+          </a:bodyPr>
+          <a:lstStyle/>
+          <a:p>
+            <a:r>
+              <a:rPr lang="en-US" b="0" i="0" dirty="0">
+                <a:solidFill>
+                  <a:srgbClr val="FF0000"/>
+                </a:solidFill>
                 <a:effectLst/>
-              </a:endParaRPr>
-            </a:p>
-          </p:txBody>
-        </p:sp>
-        <p:sp>
-          <p:nvSpPr>
-            <p:cNvPr id="6" name="TextBox 5">
-              <a:extLst>
-                <a:ext uri="{FF2B5EF4-FFF2-40B4-BE49-F238E27FC236}">
-                  <a16:creationId xmlns:a16="http://schemas.microsoft.com/office/drawing/2014/main" id="{BE8CD592-8819-0E70-73FE-8C979A9AFE0E}"/>
-                </a:ext>
-              </a:extLst>
-            </p:cNvPr>
-            <p:cNvSpPr txBox="1"/>
-            <p:nvPr/>
-          </p:nvSpPr>
-          <p:spPr>
-            <a:xfrm>
-              <a:off x="6867144" y="3108933"/>
-              <a:ext cx="4035552" cy="1815882"/>
-            </a:xfrm>
-            <a:prstGeom prst="rect">
-              <a:avLst/>
-            </a:prstGeom>
-          </p:spPr>
-          <p:style>
-            <a:lnRef idx="2">
-              <a:schemeClr val="accent6"/>
-            </a:lnRef>
-            <a:fillRef idx="1">
-              <a:schemeClr val="lt1"/>
-            </a:fillRef>
-            <a:effectRef idx="0">
-              <a:schemeClr val="accent6"/>
-            </a:effectRef>
-            <a:fontRef idx="minor">
-              <a:schemeClr val="dk1"/>
-            </a:fontRef>
-          </p:style>
-          <p:txBody>
-            <a:bodyPr wrap="square">
-              <a:spAutoFit/>
-            </a:bodyPr>
-            <a:lstStyle/>
-            <a:p>
-              <a:r>
-                <a:rPr lang="en-US" b="0" i="0" dirty="0">
-                  <a:solidFill>
-                    <a:srgbClr val="FF0000"/>
-                  </a:solidFill>
-                  <a:effectLst/>
-                  <a:latin typeface="Helvetica" panose="020B0604020202020204" pitchFamily="34" charset="0"/>
-                </a:rPr>
-                <a:t>Journal submission guideline: </a:t>
-              </a:r>
-            </a:p>
-            <a:p>
-              <a:r>
-                <a:rPr lang="en-US" b="0" i="0" dirty="0">
-                  <a:solidFill>
-                    <a:schemeClr val="tx1"/>
-                  </a:solidFill>
-                  <a:effectLst/>
-                  <a:latin typeface="Helvetica" panose="020B0604020202020204" pitchFamily="34" charset="0"/>
-                </a:rPr>
-                <a:t>Manuscripts of all types of sociological scholarship are welcome, including but not restricted to </a:t>
-              </a:r>
-              <a:r>
-                <a:rPr lang="en-US" b="0" i="0" dirty="0">
-                  <a:solidFill>
-                    <a:schemeClr val="tx1"/>
-                  </a:solidFill>
-                  <a:effectLst/>
-                  <a:highlight>
-                    <a:srgbClr val="FFFF00"/>
-                  </a:highlight>
-                  <a:latin typeface="Helvetica" panose="020B0604020202020204" pitchFamily="34" charset="0"/>
-                </a:rPr>
-                <a:t>interview-based and observational ethnography, comparative historical analysis, lab and field experiments, computational modeling and simulation, textual analysis, formal theory, and quantitative statistical analyses.</a:t>
-              </a:r>
-              <a:endParaRPr lang="en-US" dirty="0">
+                <a:latin typeface="Helvetica" panose="020B0604020202020204" pitchFamily="34" charset="0"/>
+              </a:rPr>
+              <a:t>Journal submission guideline: </a:t>
+            </a:r>
+          </a:p>
+          <a:p>
+            <a:r>
+              <a:rPr lang="en-US" b="0" i="0" dirty="0">
                 <a:solidFill>
                   <a:schemeClr val="tx1"/>
                 </a:solidFill>
+                <a:effectLst/>
+                <a:latin typeface="Helvetica" panose="020B0604020202020204" pitchFamily="34" charset="0"/>
+              </a:rPr>
+              <a:t>Manuscripts of all types of sociological scholarship are welcome, including but not restricted to </a:t>
+            </a:r>
+            <a:r>
+              <a:rPr lang="en-US" b="0" i="0" dirty="0">
+                <a:solidFill>
+                  <a:schemeClr val="tx1"/>
+                </a:solidFill>
+                <a:effectLst/>
                 <a:highlight>
                   <a:srgbClr val="FFFF00"/>
                 </a:highlight>
-              </a:endParaRPr>
-            </a:p>
-          </p:txBody>
-        </p:sp>
-      </p:grpSp>
+                <a:latin typeface="Helvetica" panose="020B0604020202020204" pitchFamily="34" charset="0"/>
+              </a:rPr>
+              <a:t>interview-based and observational ethnography, comparative historical analysis, lab and field experiments, computational modeling and simulation, textual analysis, formal theory, and quantitative statistical analyses.</a:t>
+            </a:r>
+            <a:endParaRPr lang="en-US" dirty="0">
+              <a:solidFill>
+                <a:schemeClr val="tx1"/>
+              </a:solidFill>
+              <a:highlight>
+                <a:srgbClr val="FFFF00"/>
+              </a:highlight>
+            </a:endParaRPr>
+          </a:p>
+        </p:txBody>
+      </p:sp>
     </p:spTree>
   </p:cSld>
   <p:clrMapOvr>
@@ -26070,249 +25535,6 @@
 </file>
 
 <file path=ppt/slides/slide7.xml><?xml version="1.0" encoding="utf-8"?>
-<p:sld xmlns:a="http://schemas.openxmlformats.org/drawingml/2006/main" xmlns:r="http://schemas.openxmlformats.org/officeDocument/2006/relationships" xmlns:p="http://schemas.openxmlformats.org/presentationml/2006/main">
-  <p:cSld>
-    <p:spTree>
-      <p:nvGrpSpPr>
-        <p:cNvPr id="1" name="Shape 466">
-          <a:extLst>
-            <a:ext uri="{FF2B5EF4-FFF2-40B4-BE49-F238E27FC236}">
-              <a16:creationId xmlns:a16="http://schemas.microsoft.com/office/drawing/2014/main" id="{69DE6A74-0CC2-74FE-9DAF-1346FDCCBE41}"/>
-            </a:ext>
-          </a:extLst>
-        </p:cNvPr>
-        <p:cNvGrpSpPr/>
-        <p:nvPr/>
-      </p:nvGrpSpPr>
-      <p:grpSpPr>
-        <a:xfrm>
-          <a:off x="0" y="0"/>
-          <a:ext cx="0" cy="0"/>
-          <a:chOff x="0" y="0"/>
-          <a:chExt cx="0" cy="0"/>
-        </a:xfrm>
-      </p:grpSpPr>
-      <p:sp>
-        <p:nvSpPr>
-          <p:cNvPr id="467" name="Google Shape;467;g332090ed30b_0_3">
-            <a:extLst>
-              <a:ext uri="{FF2B5EF4-FFF2-40B4-BE49-F238E27FC236}">
-                <a16:creationId xmlns:a16="http://schemas.microsoft.com/office/drawing/2014/main" id="{19D9580E-00F4-C7BD-8A69-A04F89DABE92}"/>
-              </a:ext>
-            </a:extLst>
-          </p:cNvPr>
-          <p:cNvSpPr txBox="1">
-            <a:spLocks noGrp="1"/>
-          </p:cNvSpPr>
-          <p:nvPr>
-            <p:ph type="title"/>
-          </p:nvPr>
-        </p:nvSpPr>
-        <p:spPr>
-          <a:xfrm>
-            <a:off x="838200" y="366185"/>
-            <a:ext cx="10515600" cy="1325100"/>
-          </a:xfrm>
-          <a:prstGeom prst="rect">
-            <a:avLst/>
-          </a:prstGeom>
-        </p:spPr>
-        <p:txBody>
-          <a:bodyPr spcFirstLastPara="1" wrap="square" lIns="91425" tIns="45700" rIns="91425" bIns="45700" anchor="ctr" anchorCtr="0">
-            <a:normAutofit/>
-          </a:bodyPr>
-          <a:lstStyle/>
-          <a:p>
-            <a:pPr marL="0" lvl="0" indent="0" algn="l" rtl="0">
-              <a:spcBef>
-                <a:spcPts val="0"/>
-              </a:spcBef>
-              <a:spcAft>
-                <a:spcPts val="0"/>
-              </a:spcAft>
-              <a:buNone/>
-            </a:pPr>
-            <a:r>
-              <a:rPr lang="en-US"/>
-              <a:t>Goals in sequence analysis</a:t>
-            </a:r>
-            <a:endParaRPr/>
-          </a:p>
-        </p:txBody>
-      </p:sp>
-      <p:sp>
-        <p:nvSpPr>
-          <p:cNvPr id="468" name="Google Shape;468;g332090ed30b_0_3">
-            <a:extLst>
-              <a:ext uri="{FF2B5EF4-FFF2-40B4-BE49-F238E27FC236}">
-                <a16:creationId xmlns:a16="http://schemas.microsoft.com/office/drawing/2014/main" id="{6FDFD44A-478E-2673-0342-F50004665129}"/>
-              </a:ext>
-            </a:extLst>
-          </p:cNvPr>
-          <p:cNvSpPr txBox="1">
-            <a:spLocks noGrp="1"/>
-          </p:cNvSpPr>
-          <p:nvPr>
-            <p:ph type="body" idx="1"/>
-          </p:nvPr>
-        </p:nvSpPr>
-        <p:spPr>
-          <a:xfrm>
-            <a:off x="977090" y="1848464"/>
-            <a:ext cx="10237800" cy="4046700"/>
-          </a:xfrm>
-          <a:prstGeom prst="rect">
-            <a:avLst/>
-          </a:prstGeom>
-        </p:spPr>
-        <p:txBody>
-          <a:bodyPr spcFirstLastPara="1" wrap="square" lIns="91425" tIns="45700" rIns="91425" bIns="45700" anchor="t" anchorCtr="0">
-            <a:normAutofit/>
-          </a:bodyPr>
-          <a:lstStyle/>
-          <a:p>
-            <a:pPr marL="0" lvl="0" indent="0" algn="l" rtl="0">
-              <a:spcBef>
-                <a:spcPts val="1333"/>
-              </a:spcBef>
-              <a:spcAft>
-                <a:spcPts val="0"/>
-              </a:spcAft>
-              <a:buNone/>
-            </a:pPr>
-            <a:r>
-              <a:rPr lang="en-US" b="0" dirty="0"/>
-              <a:t>“to study a complex set of </a:t>
-            </a:r>
-            <a:r>
-              <a:rPr lang="en-US" b="0" dirty="0">
-                <a:solidFill>
-                  <a:srgbClr val="FF0000"/>
-                </a:solidFill>
-              </a:rPr>
-              <a:t>life-course trajectories </a:t>
-            </a:r>
-            <a:r>
-              <a:rPr lang="en-US" b="0" dirty="0"/>
-              <a:t>as they actually take place, providing </a:t>
-            </a:r>
-            <a:r>
-              <a:rPr lang="en-US" b="0" dirty="0">
-                <a:solidFill>
-                  <a:srgbClr val="FF0000"/>
-                </a:solidFill>
-              </a:rPr>
-              <a:t>ideal types of trajectories</a:t>
-            </a:r>
-            <a:r>
-              <a:rPr lang="en-US" b="0" dirty="0"/>
-              <a:t> that can be </a:t>
-            </a:r>
-            <a:r>
-              <a:rPr lang="en-US" b="0" dirty="0">
-                <a:solidFill>
-                  <a:srgbClr val="FF0000"/>
-                </a:solidFill>
-              </a:rPr>
-              <a:t>interpreted and </a:t>
-            </a:r>
-            <a:r>
-              <a:rPr lang="en-US" b="0" dirty="0" err="1">
-                <a:solidFill>
-                  <a:srgbClr val="FF0000"/>
-                </a:solidFill>
-              </a:rPr>
-              <a:t>analysed</a:t>
-            </a:r>
-            <a:r>
-              <a:rPr lang="en-US" b="0" dirty="0">
-                <a:solidFill>
-                  <a:srgbClr val="FF0000"/>
-                </a:solidFill>
-              </a:rPr>
-              <a:t> </a:t>
-            </a:r>
-            <a:r>
-              <a:rPr lang="en-US" b="0" dirty="0"/>
-              <a:t>in a meaningful way” (</a:t>
-            </a:r>
-            <a:r>
-              <a:rPr lang="en-US" b="0" dirty="0" err="1"/>
-              <a:t>Aassve</a:t>
-            </a:r>
-            <a:r>
-              <a:rPr lang="en-US" b="0" dirty="0"/>
-              <a:t> et al. 2017)</a:t>
-            </a:r>
-          </a:p>
-        </p:txBody>
-      </p:sp>
-      <p:sp>
-        <p:nvSpPr>
-          <p:cNvPr id="469" name="Google Shape;469;g332090ed30b_0_3">
-            <a:extLst>
-              <a:ext uri="{FF2B5EF4-FFF2-40B4-BE49-F238E27FC236}">
-                <a16:creationId xmlns:a16="http://schemas.microsoft.com/office/drawing/2014/main" id="{D1000092-A9A7-2F40-D925-AE0FA00A89F2}"/>
-              </a:ext>
-            </a:extLst>
-          </p:cNvPr>
-          <p:cNvSpPr txBox="1">
-            <a:spLocks noGrp="1"/>
-          </p:cNvSpPr>
-          <p:nvPr>
-            <p:ph type="sldNum" idx="12"/>
-          </p:nvPr>
-        </p:nvSpPr>
-        <p:spPr>
-          <a:xfrm>
-            <a:off x="8610600" y="6155661"/>
-            <a:ext cx="2743200" cy="366300"/>
-          </a:xfrm>
-          <a:prstGeom prst="rect">
-            <a:avLst/>
-          </a:prstGeom>
-        </p:spPr>
-        <p:txBody>
-          <a:bodyPr spcFirstLastPara="1" wrap="square" lIns="91425" tIns="45700" rIns="91425" bIns="45700" anchor="ctr" anchorCtr="0">
-            <a:noAutofit/>
-          </a:bodyPr>
-          <a:lstStyle/>
-          <a:p>
-            <a:pPr marL="0" lvl="0" indent="0" algn="r" rtl="0">
-              <a:spcBef>
-                <a:spcPts val="0"/>
-              </a:spcBef>
-              <a:spcAft>
-                <a:spcPts val="0"/>
-              </a:spcAft>
-              <a:buClr>
-                <a:srgbClr val="000000"/>
-              </a:buClr>
-              <a:buFont typeface="Arial"/>
-              <a:buNone/>
-            </a:pPr>
-            <a:fld id="{00000000-1234-1234-1234-123412341234}" type="slidenum">
-              <a:rPr lang="en-US"/>
-              <a:t>7</a:t>
-            </a:fld>
-            <a:endParaRPr/>
-          </a:p>
-        </p:txBody>
-      </p:sp>
-    </p:spTree>
-    <p:extLst>
-      <p:ext uri="{BB962C8B-B14F-4D97-AF65-F5344CB8AC3E}">
-        <p14:creationId xmlns:p14="http://schemas.microsoft.com/office/powerpoint/2010/main" val="468681304"/>
-      </p:ext>
-    </p:extLst>
-  </p:cSld>
-  <p:clrMapOvr>
-    <a:masterClrMapping/>
-  </p:clrMapOvr>
-</p:sld>
-</file>
-
-<file path=ppt/slides/slide8.xml><?xml version="1.0" encoding="utf-8"?>
 <p:sld xmlns:a="http://schemas.openxmlformats.org/drawingml/2006/main" xmlns:r="http://schemas.openxmlformats.org/officeDocument/2006/relationships" xmlns:p="http://schemas.openxmlformats.org/presentationml/2006/main">
   <p:cSld>
     <p:spTree>
@@ -26513,7 +25735,7 @@
             </a:pPr>
             <a:fld id="{00000000-1234-1234-1234-123412341234}" type="slidenum">
               <a:rPr lang="en-US"/>
-              <a:t>8</a:t>
+              <a:t>7</a:t>
             </a:fld>
             <a:endParaRPr/>
           </a:p>
@@ -26622,7 +25844,7 @@
 </p:sld>
 </file>
 
-<file path=ppt/slides/slide9.xml><?xml version="1.0" encoding="utf-8"?>
+<file path=ppt/slides/slide8.xml><?xml version="1.0" encoding="utf-8"?>
 <p:sld xmlns:a="http://schemas.openxmlformats.org/drawingml/2006/main" xmlns:r="http://schemas.openxmlformats.org/officeDocument/2006/relationships" xmlns:p="http://schemas.openxmlformats.org/presentationml/2006/main">
   <p:cSld>
     <p:spTree>
@@ -26639,60 +25861,6 @@
           <a:chExt cx="0" cy="0"/>
         </a:xfrm>
       </p:grpSpPr>
-      <p:sp>
-        <p:nvSpPr>
-          <p:cNvPr id="442" name="Google Shape;442;p7"/>
-          <p:cNvSpPr txBox="1">
-            <a:spLocks noGrp="1"/>
-          </p:cNvSpPr>
-          <p:nvPr>
-            <p:ph type="title"/>
-          </p:nvPr>
-        </p:nvSpPr>
-        <p:spPr>
-          <a:xfrm>
-            <a:off x="838200" y="366185"/>
-            <a:ext cx="10515600" cy="1325033"/>
-          </a:xfrm>
-          <a:prstGeom prst="rect">
-            <a:avLst/>
-          </a:prstGeom>
-          <a:noFill/>
-          <a:ln>
-            <a:noFill/>
-          </a:ln>
-        </p:spPr>
-        <p:txBody>
-          <a:bodyPr spcFirstLastPara="1" wrap="square" lIns="91425" tIns="45700" rIns="91425" bIns="45700" anchor="ctr" anchorCtr="0">
-            <a:normAutofit/>
-          </a:bodyPr>
-          <a:lstStyle/>
-          <a:p>
-            <a:pPr marL="0" lvl="0" indent="0" algn="l" rtl="0">
-              <a:lnSpc>
-                <a:spcPct val="90000"/>
-              </a:lnSpc>
-              <a:spcBef>
-                <a:spcPts val="0"/>
-              </a:spcBef>
-              <a:spcAft>
-                <a:spcPts val="0"/>
-              </a:spcAft>
-              <a:buClr>
-                <a:srgbClr val="FC908E"/>
-              </a:buClr>
-              <a:buSzPts val="4400"/>
-              <a:buFont typeface="Tahoma"/>
-              <a:buNone/>
-            </a:pPr>
-            <a:r>
-              <a:rPr lang="en-US" dirty="0"/>
-              <a:t>Defining a sequence</a:t>
-            </a:r>
-            <a:endParaRPr dirty="0"/>
-          </a:p>
-        </p:txBody>
-      </p:sp>
       <p:sp>
         <p:nvSpPr>
           <p:cNvPr id="443" name="Google Shape;443;p7"/>
@@ -26899,7 +26067,7 @@
             </a:pPr>
             <a:fld id="{00000000-1234-1234-1234-123412341234}" type="slidenum">
               <a:rPr lang="en-US"/>
-              <a:t>9</a:t>
+              <a:t>8</a:t>
             </a:fld>
             <a:endParaRPr/>
           </a:p>
@@ -28536,7 +27704,379 @@
           </a:graphicData>
         </a:graphic>
       </p:graphicFrame>
+      <p:sp>
+        <p:nvSpPr>
+          <p:cNvPr id="3" name="Title 2">
+            <a:extLst>
+              <a:ext uri="{FF2B5EF4-FFF2-40B4-BE49-F238E27FC236}">
+                <a16:creationId xmlns:a16="http://schemas.microsoft.com/office/drawing/2014/main" id="{F6BE62F7-5125-8AF2-47B9-5E04499C64C1}"/>
+              </a:ext>
+            </a:extLst>
+          </p:cNvPr>
+          <p:cNvSpPr>
+            <a:spLocks noGrp="1"/>
+          </p:cNvSpPr>
+          <p:nvPr>
+            <p:ph type="title"/>
+          </p:nvPr>
+        </p:nvSpPr>
+        <p:spPr/>
+        <p:txBody>
+          <a:bodyPr/>
+          <a:lstStyle/>
+          <a:p>
+            <a:r>
+              <a:rPr lang="en-US" dirty="0"/>
+              <a:t>Define a sequence</a:t>
+            </a:r>
+          </a:p>
+        </p:txBody>
+      </p:sp>
     </p:spTree>
+  </p:cSld>
+  <p:clrMapOvr>
+    <a:masterClrMapping/>
+  </p:clrMapOvr>
+</p:sld>
+</file>
+
+<file path=ppt/slides/slide9.xml><?xml version="1.0" encoding="utf-8"?>
+<p:sld xmlns:a="http://schemas.openxmlformats.org/drawingml/2006/main" xmlns:r="http://schemas.openxmlformats.org/officeDocument/2006/relationships" xmlns:p="http://schemas.openxmlformats.org/presentationml/2006/main">
+  <p:cSld>
+    <p:spTree>
+      <p:nvGrpSpPr>
+        <p:cNvPr id="1" name=""/>
+        <p:cNvGrpSpPr/>
+        <p:nvPr/>
+      </p:nvGrpSpPr>
+      <p:grpSpPr>
+        <a:xfrm>
+          <a:off x="0" y="0"/>
+          <a:ext cx="0" cy="0"/>
+          <a:chOff x="0" y="0"/>
+          <a:chExt cx="0" cy="0"/>
+        </a:xfrm>
+      </p:grpSpPr>
+      <p:sp>
+        <p:nvSpPr>
+          <p:cNvPr id="2" name="Title 1">
+            <a:extLst>
+              <a:ext uri="{FF2B5EF4-FFF2-40B4-BE49-F238E27FC236}">
+                <a16:creationId xmlns:a16="http://schemas.microsoft.com/office/drawing/2014/main" id="{8B7CD689-CE80-DE8B-5A04-CCB76050BCBD}"/>
+              </a:ext>
+            </a:extLst>
+          </p:cNvPr>
+          <p:cNvSpPr>
+            <a:spLocks noGrp="1"/>
+          </p:cNvSpPr>
+          <p:nvPr>
+            <p:ph type="title"/>
+          </p:nvPr>
+        </p:nvSpPr>
+        <p:spPr/>
+        <p:txBody>
+          <a:bodyPr/>
+          <a:lstStyle/>
+          <a:p>
+            <a:r>
+              <a:rPr lang="en-US" dirty="0"/>
+              <a:t>Defining a sequence: substantive meaning &amp; computational power</a:t>
+            </a:r>
+          </a:p>
+        </p:txBody>
+      </p:sp>
+      <mc:AlternateContent xmlns:mc="http://schemas.openxmlformats.org/markup-compatibility/2006" xmlns:a14="http://schemas.microsoft.com/office/drawing/2010/main">
+        <mc:Choice Requires="a14">
+          <p:sp>
+            <p:nvSpPr>
+              <p:cNvPr id="3" name="Text Placeholder 2">
+                <a:extLst>
+                  <a:ext uri="{FF2B5EF4-FFF2-40B4-BE49-F238E27FC236}">
+                    <a16:creationId xmlns:a16="http://schemas.microsoft.com/office/drawing/2014/main" id="{979E9EB1-50C4-8010-E31C-618CA7FED74F}"/>
+                  </a:ext>
+                </a:extLst>
+              </p:cNvPr>
+              <p:cNvSpPr>
+                <a:spLocks noGrp="1"/>
+              </p:cNvSpPr>
+              <p:nvPr>
+                <p:ph type="body" idx="1"/>
+              </p:nvPr>
+            </p:nvSpPr>
+            <p:spPr>
+              <a:xfrm>
+                <a:off x="977089" y="1787071"/>
+                <a:ext cx="10237821" cy="4471489"/>
+              </a:xfrm>
+            </p:spPr>
+            <p:txBody>
+              <a:bodyPr>
+                <a:normAutofit fontScale="77500" lnSpcReduction="20000"/>
+              </a:bodyPr>
+              <a:lstStyle/>
+              <a:p>
+                <a:r>
+                  <a:rPr lang="en-US" b="0" dirty="0"/>
+                  <a:t>Suggested number of states/elements: 5-10; 2-15</a:t>
+                </a:r>
+              </a:p>
+              <a:p>
+                <a:r>
+                  <a:rPr lang="en-US" b="0" dirty="0"/>
+                  <a:t>Time definition and interval (age? Year? Month?)</a:t>
+                </a:r>
+              </a:p>
+              <a:p>
+                <a:r>
+                  <a:rPr lang="en-US" b="0" dirty="0"/>
+                  <a:t>Pairwise comparison across the sample for each person’s sequence</a:t>
+                </a:r>
+              </a:p>
+              <a:p>
+                <a:pPr lvl="1"/>
+                <a14:m>
+                  <m:oMath xmlns:m="http://schemas.openxmlformats.org/officeDocument/2006/math">
+                    <m:r>
+                      <m:rPr>
+                        <m:sty m:val="p"/>
+                      </m:rPr>
+                      <a:rPr lang="en-US" b="0" i="0" smtClean="0">
+                        <a:latin typeface="Cambria Math" panose="02040503050406030204" pitchFamily="18" charset="0"/>
+                      </a:rPr>
+                      <m:t>Possible</m:t>
+                    </m:r>
+                    <m:r>
+                      <a:rPr lang="en-US" b="0" i="0" smtClean="0">
+                        <a:latin typeface="Cambria Math" panose="02040503050406030204" pitchFamily="18" charset="0"/>
+                      </a:rPr>
+                      <m:t> </m:t>
+                    </m:r>
+                    <m:r>
+                      <m:rPr>
+                        <m:sty m:val="p"/>
+                      </m:rPr>
+                      <a:rPr lang="en-US" b="0" i="0" smtClean="0">
+                        <a:latin typeface="Cambria Math" panose="02040503050406030204" pitchFamily="18" charset="0"/>
+                      </a:rPr>
+                      <m:t>sequences</m:t>
+                    </m:r>
+                    <m:r>
+                      <a:rPr lang="en-US" b="0" i="1" smtClean="0">
+                        <a:latin typeface="Cambria Math" panose="02040503050406030204" pitchFamily="18" charset="0"/>
+                      </a:rPr>
+                      <m:t>=</m:t>
+                    </m:r>
+                    <m:sSup>
+                      <m:sSupPr>
+                        <m:ctrlPr>
+                          <a:rPr lang="en-US" b="0" i="1" smtClean="0">
+                            <a:latin typeface="Cambria Math" panose="02040503050406030204" pitchFamily="18" charset="0"/>
+                          </a:rPr>
+                        </m:ctrlPr>
+                      </m:sSupPr>
+                      <m:e>
+                        <m:r>
+                          <a:rPr lang="en-US" b="0" i="1" smtClean="0">
+                            <a:latin typeface="Cambria Math" panose="02040503050406030204" pitchFamily="18" charset="0"/>
+                          </a:rPr>
+                          <m:t>𝑁</m:t>
+                        </m:r>
+                        <m:r>
+                          <a:rPr lang="en-US" b="0" i="1" smtClean="0">
+                            <a:latin typeface="Cambria Math" panose="02040503050406030204" pitchFamily="18" charset="0"/>
+                          </a:rPr>
+                          <m:t>_</m:t>
+                        </m:r>
+                        <m:r>
+                          <a:rPr lang="en-US" b="0" i="1" smtClean="0">
+                            <a:latin typeface="Cambria Math" panose="02040503050406030204" pitchFamily="18" charset="0"/>
+                          </a:rPr>
+                          <m:t>𝑠𝑡𝑎𝑡𝑒𝑠</m:t>
+                        </m:r>
+                      </m:e>
+                      <m:sup>
+                        <m:r>
+                          <a:rPr lang="en-US" b="0" i="1" smtClean="0">
+                            <a:latin typeface="Cambria Math" panose="02040503050406030204" pitchFamily="18" charset="0"/>
+                          </a:rPr>
+                          <m:t>𝑁</m:t>
+                        </m:r>
+                        <m:r>
+                          <a:rPr lang="en-US" b="0" i="1" smtClean="0">
+                            <a:latin typeface="Cambria Math" panose="02040503050406030204" pitchFamily="18" charset="0"/>
+                          </a:rPr>
+                          <m:t>_</m:t>
+                        </m:r>
+                        <m:r>
+                          <a:rPr lang="en-US" b="0" i="1" smtClean="0">
+                            <a:latin typeface="Cambria Math" panose="02040503050406030204" pitchFamily="18" charset="0"/>
+                          </a:rPr>
+                          <m:t>𝑝𝑜𝑠𝑖𝑡𝑖𝑜𝑛𝑠</m:t>
+                        </m:r>
+                      </m:sup>
+                    </m:sSup>
+                    <m:r>
+                      <a:rPr lang="en-US" b="0" i="1" smtClean="0">
+                        <a:latin typeface="Cambria Math" panose="02040503050406030204" pitchFamily="18" charset="0"/>
+                      </a:rPr>
+                      <m:t> </m:t>
+                    </m:r>
+                  </m:oMath>
+                </a14:m>
+                <a:endParaRPr lang="en-US" b="0" dirty="0">
+                  <a:latin typeface="Tahoma" panose="020B0604030504040204" pitchFamily="34" charset="0"/>
+                  <a:ea typeface="Tahoma" panose="020B0604030504040204" pitchFamily="34" charset="0"/>
+                  <a:cs typeface="Tahoma" panose="020B0604030504040204" pitchFamily="34" charset="0"/>
+                </a:endParaRPr>
+              </a:p>
+              <a:p>
+                <a:pPr lvl="1"/>
+                <a:r>
+                  <a:rPr lang="en-US" b="0" i="1" dirty="0"/>
+                  <a:t>n</a:t>
+                </a:r>
+                <a:r>
+                  <a:rPr lang="en-US" b="0" dirty="0"/>
+                  <a:t> = 1000 large enough</a:t>
+                </a:r>
+              </a:p>
+              <a:p>
+                <a:r>
+                  <a:rPr lang="en-US" b="0" dirty="0"/>
+                  <a:t>Missing values</a:t>
+                </a:r>
+              </a:p>
+              <a:p>
+                <a:pPr lvl="1"/>
+                <a:r>
+                  <a:rPr lang="en-US" sz="3200" b="0" dirty="0"/>
+                  <a:t>Usually equal length/number of positions in life course studies</a:t>
+                </a:r>
+              </a:p>
+              <a:p>
+                <a:pPr lvl="1"/>
+                <a:r>
+                  <a:rPr lang="en-US" b="0" dirty="0"/>
+                  <a:t>TraMineR automatically handles missingness by creating a new state of NA</a:t>
+                </a:r>
+              </a:p>
+              <a:p>
+                <a:pPr lvl="1"/>
+                <a:r>
+                  <a:rPr lang="en-US" b="0" dirty="0"/>
+                  <a:t>Imputation methods</a:t>
+                </a:r>
+              </a:p>
+              <a:p>
+                <a:pPr lvl="1"/>
+                <a:endParaRPr lang="en-US" b="0" dirty="0"/>
+              </a:p>
+              <a:p>
+                <a:pPr lvl="1"/>
+                <a:endParaRPr lang="en-US" b="0" dirty="0"/>
+              </a:p>
+              <a:p>
+                <a:pPr lvl="1"/>
+                <a:endParaRPr lang="en-US" b="0" dirty="0"/>
+              </a:p>
+              <a:p>
+                <a:pPr lvl="1"/>
+                <a:endParaRPr lang="en-US" dirty="0"/>
+              </a:p>
+              <a:p>
+                <a:endParaRPr lang="en-US" b="0" dirty="0"/>
+              </a:p>
+            </p:txBody>
+          </p:sp>
+        </mc:Choice>
+        <mc:Fallback xmlns="">
+          <p:sp>
+            <p:nvSpPr>
+              <p:cNvPr id="3" name="Text Placeholder 2">
+                <a:extLst>
+                  <a:ext uri="{FF2B5EF4-FFF2-40B4-BE49-F238E27FC236}">
+                    <a16:creationId xmlns:a16="http://schemas.microsoft.com/office/drawing/2014/main" id="{979E9EB1-50C4-8010-E31C-618CA7FED74F}"/>
+                  </a:ext>
+                </a:extLst>
+              </p:cNvPr>
+              <p:cNvSpPr>
+                <a:spLocks noGrp="1" noRot="1" noChangeAspect="1" noMove="1" noResize="1" noEditPoints="1" noAdjustHandles="1" noChangeArrowheads="1" noChangeShapeType="1" noTextEdit="1"/>
+              </p:cNvSpPr>
+              <p:nvPr>
+                <p:ph type="body" idx="1"/>
+              </p:nvPr>
+            </p:nvSpPr>
+            <p:spPr>
+              <a:xfrm>
+                <a:off x="977089" y="1787071"/>
+                <a:ext cx="10237821" cy="4471489"/>
+              </a:xfrm>
+              <a:blipFill>
+                <a:blip r:embed="rId3"/>
+                <a:stretch>
+                  <a:fillRect/>
+                </a:stretch>
+              </a:blipFill>
+            </p:spPr>
+            <p:txBody>
+              <a:bodyPr/>
+              <a:lstStyle/>
+              <a:p>
+                <a:r>
+                  <a:rPr lang="en-US">
+                    <a:noFill/>
+                  </a:rPr>
+                  <a:t> </a:t>
+                </a:r>
+              </a:p>
+            </p:txBody>
+          </p:sp>
+        </mc:Fallback>
+      </mc:AlternateContent>
+      <p:sp>
+        <p:nvSpPr>
+          <p:cNvPr id="4" name="Slide Number Placeholder 3">
+            <a:extLst>
+              <a:ext uri="{FF2B5EF4-FFF2-40B4-BE49-F238E27FC236}">
+                <a16:creationId xmlns:a16="http://schemas.microsoft.com/office/drawing/2014/main" id="{18CC38CB-5B50-40CB-010F-484AE1861A55}"/>
+              </a:ext>
+            </a:extLst>
+          </p:cNvPr>
+          <p:cNvSpPr>
+            <a:spLocks noGrp="1"/>
+          </p:cNvSpPr>
+          <p:nvPr>
+            <p:ph type="sldNum" idx="12"/>
+          </p:nvPr>
+        </p:nvSpPr>
+        <p:spPr/>
+        <p:txBody>
+          <a:bodyPr/>
+          <a:lstStyle/>
+          <a:p>
+            <a:pPr marL="0" lvl="0" indent="0" algn="r" rtl="0">
+              <a:spcBef>
+                <a:spcPts val="0"/>
+              </a:spcBef>
+              <a:spcAft>
+                <a:spcPts val="0"/>
+              </a:spcAft>
+              <a:buNone/>
+            </a:pPr>
+            <a:fld id="{00000000-1234-1234-1234-123412341234}" type="slidenum">
+              <a:rPr lang="en-US" smtClean="0"/>
+              <a:t>9</a:t>
+            </a:fld>
+            <a:endParaRPr lang="en-US"/>
+          </a:p>
+        </p:txBody>
+      </p:sp>
+    </p:spTree>
+    <p:extLst>
+      <p:ext uri="{BB962C8B-B14F-4D97-AF65-F5344CB8AC3E}">
+        <p14:creationId xmlns:p14="http://schemas.microsoft.com/office/powerpoint/2010/main" val="2542956831"/>
+      </p:ext>
+    </p:extLst>
   </p:cSld>
   <p:clrMapOvr>
     <a:masterClrMapping/>
